--- a/docs/diagrams/QuizStartCommandSequenceDiagram.pptx
+++ b/docs/diagrams/QuizStartCommandSequenceDiagram.pptx
@@ -109,7 +109,7 @@
   </p:defaultTextStyle>
   <p:extLst>
     <p:ext uri="{EFAFB233-063F-42B5-8137-9DF3F51BA10A}">
-      <p15:sldGuideLst xmlns:p15="http://schemas.microsoft.com/office/powerpoint/2012/main" xmlns="">
+      <p15:sldGuideLst xmlns="" xmlns:p15="http://schemas.microsoft.com/office/powerpoint/2012/main">
         <p15:guide id="1" orient="horz" pos="1488" userDrawn="1">
           <p15:clr>
             <a:srgbClr val="A4A3A4"/>
@@ -209,7 +209,7 @@
             <a:fld id="{F5CC4B3F-88C1-4FFA-B1B6-F41C21DC6924}" type="datetimeFigureOut">
               <a:rPr lang="en-US" smtClean="0"/>
               <a:pPr/>
-              <a:t>4/14/2019</a:t>
+              <a:t>4/15/2019</a:t>
             </a:fld>
             <a:endParaRPr lang="en-US"/>
           </a:p>
@@ -377,7 +377,7 @@
     </p:spTree>
     <p:extLst>
       <p:ext uri="{BB962C8B-B14F-4D97-AF65-F5344CB8AC3E}">
-        <p14:creationId xmlns:p14="http://schemas.microsoft.com/office/powerpoint/2010/main" xmlns="" val="2023976206"/>
+        <p14:creationId xmlns="" xmlns:p14="http://schemas.microsoft.com/office/powerpoint/2010/main" val="2023976206"/>
       </p:ext>
     </p:extLst>
   </p:cSld>
@@ -657,7 +657,7 @@
             <a:fld id="{78C97017-6FC3-485B-9764-EAC9E56C1D49}" type="datetimeFigureOut">
               <a:rPr lang="en-US" smtClean="0"/>
               <a:pPr/>
-              <a:t>4/14/2019</a:t>
+              <a:t>4/15/2019</a:t>
             </a:fld>
             <a:endParaRPr lang="en-US"/>
           </a:p>
@@ -709,7 +709,7 @@
     </p:spTree>
     <p:extLst>
       <p:ext uri="{BB962C8B-B14F-4D97-AF65-F5344CB8AC3E}">
-        <p14:creationId xmlns:p14="http://schemas.microsoft.com/office/powerpoint/2010/main" xmlns="" val="3246593157"/>
+        <p14:creationId xmlns="" xmlns:p14="http://schemas.microsoft.com/office/powerpoint/2010/main" val="3246593157"/>
       </p:ext>
     </p:extLst>
   </p:cSld>
@@ -827,7 +827,7 @@
             <a:fld id="{78C97017-6FC3-485B-9764-EAC9E56C1D49}" type="datetimeFigureOut">
               <a:rPr lang="en-US" smtClean="0"/>
               <a:pPr/>
-              <a:t>4/14/2019</a:t>
+              <a:t>4/15/2019</a:t>
             </a:fld>
             <a:endParaRPr lang="en-US"/>
           </a:p>
@@ -879,7 +879,7 @@
     </p:spTree>
     <p:extLst>
       <p:ext uri="{BB962C8B-B14F-4D97-AF65-F5344CB8AC3E}">
-        <p14:creationId xmlns:p14="http://schemas.microsoft.com/office/powerpoint/2010/main" xmlns="" val="2707025021"/>
+        <p14:creationId xmlns="" xmlns:p14="http://schemas.microsoft.com/office/powerpoint/2010/main" val="2707025021"/>
       </p:ext>
     </p:extLst>
   </p:cSld>
@@ -1007,7 +1007,7 @@
             <a:fld id="{78C97017-6FC3-485B-9764-EAC9E56C1D49}" type="datetimeFigureOut">
               <a:rPr lang="en-US" smtClean="0"/>
               <a:pPr/>
-              <a:t>4/14/2019</a:t>
+              <a:t>4/15/2019</a:t>
             </a:fld>
             <a:endParaRPr lang="en-US"/>
           </a:p>
@@ -1059,7 +1059,7 @@
     </p:spTree>
     <p:extLst>
       <p:ext uri="{BB962C8B-B14F-4D97-AF65-F5344CB8AC3E}">
-        <p14:creationId xmlns:p14="http://schemas.microsoft.com/office/powerpoint/2010/main" xmlns="" val="568378986"/>
+        <p14:creationId xmlns="" xmlns:p14="http://schemas.microsoft.com/office/powerpoint/2010/main" val="568378986"/>
       </p:ext>
     </p:extLst>
   </p:cSld>
@@ -1177,7 +1177,7 @@
             <a:fld id="{78C97017-6FC3-485B-9764-EAC9E56C1D49}" type="datetimeFigureOut">
               <a:rPr lang="en-US" smtClean="0"/>
               <a:pPr/>
-              <a:t>4/14/2019</a:t>
+              <a:t>4/15/2019</a:t>
             </a:fld>
             <a:endParaRPr lang="en-US"/>
           </a:p>
@@ -1229,7 +1229,7 @@
     </p:spTree>
     <p:extLst>
       <p:ext uri="{BB962C8B-B14F-4D97-AF65-F5344CB8AC3E}">
-        <p14:creationId xmlns:p14="http://schemas.microsoft.com/office/powerpoint/2010/main" xmlns="" val="266658052"/>
+        <p14:creationId xmlns="" xmlns:p14="http://schemas.microsoft.com/office/powerpoint/2010/main" val="266658052"/>
       </p:ext>
     </p:extLst>
   </p:cSld>
@@ -1424,7 +1424,7 @@
             <a:fld id="{78C97017-6FC3-485B-9764-EAC9E56C1D49}" type="datetimeFigureOut">
               <a:rPr lang="en-US" smtClean="0"/>
               <a:pPr/>
-              <a:t>4/14/2019</a:t>
+              <a:t>4/15/2019</a:t>
             </a:fld>
             <a:endParaRPr lang="en-US"/>
           </a:p>
@@ -1476,7 +1476,7 @@
     </p:spTree>
     <p:extLst>
       <p:ext uri="{BB962C8B-B14F-4D97-AF65-F5344CB8AC3E}">
-        <p14:creationId xmlns:p14="http://schemas.microsoft.com/office/powerpoint/2010/main" xmlns="" val="474686344"/>
+        <p14:creationId xmlns="" xmlns:p14="http://schemas.microsoft.com/office/powerpoint/2010/main" val="474686344"/>
       </p:ext>
     </p:extLst>
   </p:cSld>
@@ -1711,7 +1711,7 @@
             <a:fld id="{78C97017-6FC3-485B-9764-EAC9E56C1D49}" type="datetimeFigureOut">
               <a:rPr lang="en-US" smtClean="0"/>
               <a:pPr/>
-              <a:t>4/14/2019</a:t>
+              <a:t>4/15/2019</a:t>
             </a:fld>
             <a:endParaRPr lang="en-US"/>
           </a:p>
@@ -1763,7 +1763,7 @@
     </p:spTree>
     <p:extLst>
       <p:ext uri="{BB962C8B-B14F-4D97-AF65-F5344CB8AC3E}">
-        <p14:creationId xmlns:p14="http://schemas.microsoft.com/office/powerpoint/2010/main" xmlns="" val="562293251"/>
+        <p14:creationId xmlns="" xmlns:p14="http://schemas.microsoft.com/office/powerpoint/2010/main" val="562293251"/>
       </p:ext>
     </p:extLst>
   </p:cSld>
@@ -2132,7 +2132,7 @@
             <a:fld id="{78C97017-6FC3-485B-9764-EAC9E56C1D49}" type="datetimeFigureOut">
               <a:rPr lang="en-US" smtClean="0"/>
               <a:pPr/>
-              <a:t>4/14/2019</a:t>
+              <a:t>4/15/2019</a:t>
             </a:fld>
             <a:endParaRPr lang="en-US"/>
           </a:p>
@@ -2184,7 +2184,7 @@
     </p:spTree>
     <p:extLst>
       <p:ext uri="{BB962C8B-B14F-4D97-AF65-F5344CB8AC3E}">
-        <p14:creationId xmlns:p14="http://schemas.microsoft.com/office/powerpoint/2010/main" xmlns="" val="1126424250"/>
+        <p14:creationId xmlns="" xmlns:p14="http://schemas.microsoft.com/office/powerpoint/2010/main" val="1126424250"/>
       </p:ext>
     </p:extLst>
   </p:cSld>
@@ -2251,7 +2251,7 @@
             <a:fld id="{78C97017-6FC3-485B-9764-EAC9E56C1D49}" type="datetimeFigureOut">
               <a:rPr lang="en-US" smtClean="0"/>
               <a:pPr/>
-              <a:t>4/14/2019</a:t>
+              <a:t>4/15/2019</a:t>
             </a:fld>
             <a:endParaRPr lang="en-US"/>
           </a:p>
@@ -2303,7 +2303,7 @@
     </p:spTree>
     <p:extLst>
       <p:ext uri="{BB962C8B-B14F-4D97-AF65-F5344CB8AC3E}">
-        <p14:creationId xmlns:p14="http://schemas.microsoft.com/office/powerpoint/2010/main" xmlns="" val="4159724230"/>
+        <p14:creationId xmlns="" xmlns:p14="http://schemas.microsoft.com/office/powerpoint/2010/main" val="4159724230"/>
       </p:ext>
     </p:extLst>
   </p:cSld>
@@ -2348,7 +2348,7 @@
             <a:fld id="{78C97017-6FC3-485B-9764-EAC9E56C1D49}" type="datetimeFigureOut">
               <a:rPr lang="en-US" smtClean="0"/>
               <a:pPr/>
-              <a:t>4/14/2019</a:t>
+              <a:t>4/15/2019</a:t>
             </a:fld>
             <a:endParaRPr lang="en-US"/>
           </a:p>
@@ -2400,7 +2400,7 @@
     </p:spTree>
     <p:extLst>
       <p:ext uri="{BB962C8B-B14F-4D97-AF65-F5344CB8AC3E}">
-        <p14:creationId xmlns:p14="http://schemas.microsoft.com/office/powerpoint/2010/main" xmlns="" val="1793928710"/>
+        <p14:creationId xmlns="" xmlns:p14="http://schemas.microsoft.com/office/powerpoint/2010/main" val="1793928710"/>
       </p:ext>
     </p:extLst>
   </p:cSld>
@@ -2625,7 +2625,7 @@
             <a:fld id="{78C97017-6FC3-485B-9764-EAC9E56C1D49}" type="datetimeFigureOut">
               <a:rPr lang="en-US" smtClean="0"/>
               <a:pPr/>
-              <a:t>4/14/2019</a:t>
+              <a:t>4/15/2019</a:t>
             </a:fld>
             <a:endParaRPr lang="en-US"/>
           </a:p>
@@ -2677,7 +2677,7 @@
     </p:spTree>
     <p:extLst>
       <p:ext uri="{BB962C8B-B14F-4D97-AF65-F5344CB8AC3E}">
-        <p14:creationId xmlns:p14="http://schemas.microsoft.com/office/powerpoint/2010/main" xmlns="" val="2076802089"/>
+        <p14:creationId xmlns="" xmlns:p14="http://schemas.microsoft.com/office/powerpoint/2010/main" val="2076802089"/>
       </p:ext>
     </p:extLst>
   </p:cSld>
@@ -2879,7 +2879,7 @@
             <a:fld id="{78C97017-6FC3-485B-9764-EAC9E56C1D49}" type="datetimeFigureOut">
               <a:rPr lang="en-US" smtClean="0"/>
               <a:pPr/>
-              <a:t>4/14/2019</a:t>
+              <a:t>4/15/2019</a:t>
             </a:fld>
             <a:endParaRPr lang="en-US"/>
           </a:p>
@@ -2931,7 +2931,7 @@
     </p:spTree>
     <p:extLst>
       <p:ext uri="{BB962C8B-B14F-4D97-AF65-F5344CB8AC3E}">
-        <p14:creationId xmlns:p14="http://schemas.microsoft.com/office/powerpoint/2010/main" xmlns="" val="201835938"/>
+        <p14:creationId xmlns="" xmlns:p14="http://schemas.microsoft.com/office/powerpoint/2010/main" val="201835938"/>
       </p:ext>
     </p:extLst>
   </p:cSld>
@@ -3092,7 +3092,7 @@
             <a:fld id="{78C97017-6FC3-485B-9764-EAC9E56C1D49}" type="datetimeFigureOut">
               <a:rPr lang="en-US" smtClean="0"/>
               <a:pPr/>
-              <a:t>4/14/2019</a:t>
+              <a:t>4/15/2019</a:t>
             </a:fld>
             <a:endParaRPr lang="en-US"/>
           </a:p>
@@ -3180,7 +3180,7 @@
     </p:spTree>
     <p:extLst>
       <p:ext uri="{BB962C8B-B14F-4D97-AF65-F5344CB8AC3E}">
-        <p14:creationId xmlns:p14="http://schemas.microsoft.com/office/powerpoint/2010/main" xmlns="" val="2341400630"/>
+        <p14:creationId xmlns="" xmlns:p14="http://schemas.microsoft.com/office/powerpoint/2010/main" val="2341400630"/>
       </p:ext>
     </p:extLst>
   </p:cSld>
@@ -3470,20 +3470,14 @@
       </p:grpSpPr>
       <p:sp>
         <p:nvSpPr>
-          <p:cNvPr id="43" name="quizmodel big box">
-            <a:extLst>
-              <a:ext uri="{FF2B5EF4-FFF2-40B4-BE49-F238E27FC236}">
-                <a16:creationId xmlns:a16="http://schemas.microsoft.com/office/drawing/2014/main" xmlns="" id="{EC3FBA36-5E84-4C8D-8167-132F8367F116}"/>
-              </a:ext>
-            </a:extLst>
-          </p:cNvPr>
+          <p:cNvPr id="99" name="Rectangle 65"/>
           <p:cNvSpPr/>
           <p:nvPr/>
         </p:nvSpPr>
         <p:spPr>
           <a:xfrm>
-            <a:off x="7377787" y="-15313"/>
-            <a:ext cx="1663797" cy="5275691"/>
+            <a:off x="7358082" y="142852"/>
+            <a:ext cx="1571636" cy="4143404"/>
           </a:xfrm>
           <a:prstGeom prst="roundRect">
             <a:avLst>
@@ -3491,7 +3485,10 @@
             </a:avLst>
           </a:prstGeom>
           <a:solidFill>
-            <a:srgbClr val="D4E5E4"/>
+            <a:schemeClr val="accent4">
+              <a:lumMod val="20000"/>
+              <a:lumOff val="80000"/>
+            </a:schemeClr>
           </a:solidFill>
           <a:ln w="19050">
             <a:noFill/>
@@ -3517,20 +3514,76 @@
           <a:lstStyle/>
           <a:p>
             <a:r>
+              <a:rPr lang="en-US" sz="1200" b="1" dirty="0" err="1">
+                <a:solidFill>
+                  <a:srgbClr val="7030A0"/>
+                </a:solidFill>
+              </a:rPr>
+              <a:t>ManagementModel</a:t>
+            </a:r>
+            <a:endParaRPr lang="en-SG" sz="1200" b="1" dirty="0">
+              <a:solidFill>
+                <a:srgbClr val="7030A0"/>
+              </a:solidFill>
+            </a:endParaRPr>
+          </a:p>
+        </p:txBody>
+      </p:sp>
+      <p:sp>
+        <p:nvSpPr>
+          <p:cNvPr id="97" name="quizmodel big box">
+            <a:extLst>
+              <a:ext uri="{FF2B5EF4-FFF2-40B4-BE49-F238E27FC236}">
+                <a16:creationId xmlns="" xmlns:a16="http://schemas.microsoft.com/office/drawing/2014/main" id="{EC3FBA36-5E84-4C8D-8167-132F8367F116}"/>
+              </a:ext>
+            </a:extLst>
+          </p:cNvPr>
+          <p:cNvSpPr/>
+          <p:nvPr/>
+        </p:nvSpPr>
+        <p:spPr>
+          <a:xfrm>
+            <a:off x="7358083" y="4286256"/>
+            <a:ext cx="1571636" cy="2571744"/>
+          </a:xfrm>
+          <a:prstGeom prst="roundRect">
+            <a:avLst>
+              <a:gd name="adj" fmla="val 3484"/>
+            </a:avLst>
+          </a:prstGeom>
+          <a:solidFill>
+            <a:srgbClr val="D4E5E4"/>
+          </a:solidFill>
+          <a:ln w="19050">
+            <a:noFill/>
+          </a:ln>
+          <a:effectLst/>
+        </p:spPr>
+        <p:style>
+          <a:lnRef idx="1">
+            <a:schemeClr val="accent2"/>
+          </a:lnRef>
+          <a:fillRef idx="2">
+            <a:schemeClr val="accent2"/>
+          </a:fillRef>
+          <a:effectRef idx="1">
+            <a:schemeClr val="accent2"/>
+          </a:effectRef>
+          <a:fontRef idx="minor">
+            <a:schemeClr val="dk1"/>
+          </a:fontRef>
+        </p:style>
+        <p:txBody>
+          <a:bodyPr rtlCol="0" anchor="t"/>
+          <a:lstStyle/>
+          <a:p>
+            <a:r>
               <a:rPr lang="en-US" sz="1200" b="1" dirty="0" err="1" smtClean="0">
                 <a:solidFill>
                   <a:srgbClr val="597B78"/>
                 </a:solidFill>
               </a:rPr>
-              <a:t>Management</a:t>
-            </a:r>
-            <a:r>
-              <a:rPr lang="en-US" sz="1200" b="1" dirty="0" err="1" smtClean="0">
-                <a:solidFill>
-                  <a:srgbClr val="597B78"/>
-                </a:solidFill>
-              </a:rPr>
-              <a:t>Model</a:t>
+              <a:t>QuizModel</a:t>
             </a:r>
             <a:endParaRPr lang="en-SG" sz="1200" b="1" dirty="0">
               <a:solidFill>
@@ -3851,15 +3904,7 @@
                   <a:schemeClr val="bg1"/>
                 </a:solidFill>
               </a:rPr>
-              <a:t>StartCommand</a:t>
-            </a:r>
-            <a:r>
-              <a:rPr lang="en-US" sz="1600" dirty="0" err="1" smtClean="0">
-                <a:solidFill>
-                  <a:schemeClr val="bg1"/>
-                </a:solidFill>
-              </a:rPr>
-              <a:t>Parser</a:t>
+              <a:t>StartCommandParser</a:t>
             </a:r>
             <a:endParaRPr lang="en-SG" sz="1600" dirty="0">
               <a:solidFill>
@@ -4386,7 +4431,7 @@
             <a:r>
               <a:rPr lang="en-US" sz="1200" dirty="0" err="1" smtClean="0">
                 <a:solidFill>
-                  <a:srgbClr val="597B78"/>
+                  <a:srgbClr val="7030A0"/>
                 </a:solidFill>
               </a:rPr>
               <a:t>getLessonList</a:t>
@@ -4394,14 +4439,14 @@
             <a:r>
               <a:rPr lang="en-US" sz="1200" dirty="0" smtClean="0">
                 <a:solidFill>
-                  <a:srgbClr val="597B78"/>
+                  <a:srgbClr val="7030A0"/>
                 </a:solidFill>
               </a:rPr>
               <a:t>()</a:t>
             </a:r>
             <a:endParaRPr lang="en-US" sz="1200" dirty="0">
               <a:solidFill>
-                <a:srgbClr val="597B78"/>
+                <a:srgbClr val="7030A0"/>
               </a:solidFill>
             </a:endParaRPr>
           </a:p>
@@ -4531,81 +4576,6 @@
           </a:p>
         </p:txBody>
       </p:sp>
-      <p:sp>
-        <p:nvSpPr>
-          <p:cNvPr id="40" name="Rectangle 62"/>
-          <p:cNvSpPr/>
-          <p:nvPr/>
-        </p:nvSpPr>
-        <p:spPr>
-          <a:xfrm>
-            <a:off x="7566945" y="1785926"/>
-            <a:ext cx="1434212" cy="429829"/>
-          </a:xfrm>
-          <a:prstGeom prst="rect">
-            <a:avLst/>
-          </a:prstGeom>
-          <a:solidFill>
-            <a:srgbClr val="597B78"/>
-          </a:solidFill>
-          <a:ln w="19050">
-            <a:solidFill>
-              <a:srgbClr val="597B78"/>
-            </a:solidFill>
-          </a:ln>
-          <a:effectLst/>
-        </p:spPr>
-        <p:style>
-          <a:lnRef idx="1">
-            <a:schemeClr val="accent2"/>
-          </a:lnRef>
-          <a:fillRef idx="2">
-            <a:schemeClr val="accent2"/>
-          </a:fillRef>
-          <a:effectRef idx="1">
-            <a:schemeClr val="accent2"/>
-          </a:effectRef>
-          <a:fontRef idx="minor">
-            <a:schemeClr val="dk1"/>
-          </a:fontRef>
-        </p:style>
-        <p:txBody>
-          <a:bodyPr rtlCol="0" anchor="ctr"/>
-          <a:lstStyle/>
-          <a:p>
-            <a:pPr algn="ctr"/>
-            <a:r>
-              <a:rPr lang="en-US" sz="1600" dirty="0" smtClean="0">
-                <a:solidFill>
-                  <a:schemeClr val="bg1"/>
-                </a:solidFill>
-              </a:rPr>
-              <a:t>:</a:t>
-            </a:r>
-            <a:r>
-              <a:rPr lang="en-US" sz="1600" dirty="0" err="1" smtClean="0">
-                <a:solidFill>
-                  <a:schemeClr val="bg1"/>
-                </a:solidFill>
-              </a:rPr>
-              <a:t>Management</a:t>
-            </a:r>
-            <a:r>
-              <a:rPr lang="en-US" sz="1600" dirty="0" err="1" smtClean="0">
-                <a:solidFill>
-                  <a:schemeClr val="bg1"/>
-                </a:solidFill>
-              </a:rPr>
-              <a:t>Model</a:t>
-            </a:r>
-            <a:endParaRPr lang="en-SG" sz="1600" dirty="0">
-              <a:solidFill>
-                <a:schemeClr val="bg1"/>
-              </a:solidFill>
-            </a:endParaRPr>
-          </a:p>
-        </p:txBody>
-      </p:sp>
       <p:cxnSp>
         <p:nvCxnSpPr>
           <p:cNvPr id="46" name="Straight Connector 45"/>
@@ -4624,7 +4594,7 @@
           </a:prstGeom>
           <a:ln w="19050">
             <a:solidFill>
-              <a:srgbClr val="597B78"/>
+              <a:srgbClr val="7030A0"/>
             </a:solidFill>
             <a:prstDash val="sysDash"/>
           </a:ln>
@@ -4660,7 +4630,7 @@
             <a:avLst/>
           </a:prstGeom>
           <a:solidFill>
-            <a:srgbClr val="597B78"/>
+            <a:srgbClr val="7030A0"/>
           </a:solidFill>
           <a:ln>
             <a:solidFill>
@@ -4710,7 +4680,7 @@
           </a:prstGeom>
           <a:ln w="19050">
             <a:solidFill>
-              <a:srgbClr val="597B78"/>
+              <a:srgbClr val="7030A0"/>
             </a:solidFill>
             <a:tailEnd type="arrow"/>
           </a:ln>
@@ -4738,8 +4708,8 @@
         </p:nvSpPr>
         <p:spPr>
           <a:xfrm>
-            <a:off x="5730089" y="963327"/>
-            <a:ext cx="1127927" cy="461538"/>
+            <a:off x="5715008" y="785794"/>
+            <a:ext cx="1500198" cy="642941"/>
           </a:xfrm>
           <a:prstGeom prst="rect">
             <a:avLst/>
@@ -4779,7 +4749,23 @@
                   <a:schemeClr val="bg1"/>
                 </a:solidFill>
               </a:rPr>
-              <a:t>c:QuizStartCommand</a:t>
+              <a:t>c</a:t>
+            </a:r>
+            <a:r>
+              <a:rPr lang="en-US" sz="1600" dirty="0" smtClean="0">
+                <a:solidFill>
+                  <a:schemeClr val="bg1"/>
+                </a:solidFill>
+              </a:rPr>
+              <a:t>: </a:t>
+            </a:r>
+            <a:r>
+              <a:rPr lang="en-US" sz="1600" dirty="0" err="1" smtClean="0">
+                <a:solidFill>
+                  <a:schemeClr val="bg1"/>
+                </a:solidFill>
+              </a:rPr>
+              <a:t>StartCommand</a:t>
             </a:r>
             <a:endParaRPr lang="en-SG" sz="1600" dirty="0">
               <a:solidFill>
@@ -4794,7 +4780,7 @@
           <p:cNvPr id="66" name="Straight Arrow Connector 65">
             <a:extLst>
               <a:ext uri="{FF2B5EF4-FFF2-40B4-BE49-F238E27FC236}">
-                <a16:creationId xmlns:a16="http://schemas.microsoft.com/office/drawing/2014/main" xmlns="" id="{39916E2E-195A-4DC8-B025-B05FA87E6796}"/>
+                <a16:creationId xmlns="" xmlns:a16="http://schemas.microsoft.com/office/drawing/2014/main" id="{39916E2E-195A-4DC8-B025-B05FA87E6796}"/>
               </a:ext>
             </a:extLst>
           </p:cNvPr>
@@ -4838,7 +4824,7 @@
           <p:cNvPr id="67" name="Straight Arrow Connector 66">
             <a:extLst>
               <a:ext uri="{FF2B5EF4-FFF2-40B4-BE49-F238E27FC236}">
-                <a16:creationId xmlns:a16="http://schemas.microsoft.com/office/drawing/2014/main" xmlns="" id="{D881596E-177C-4FDC-8E60-CAB90B3D5FAB}"/>
+                <a16:creationId xmlns="" xmlns:a16="http://schemas.microsoft.com/office/drawing/2014/main" id="{D881596E-177C-4FDC-8E60-CAB90B3D5FAB}"/>
               </a:ext>
             </a:extLst>
           </p:cNvPr>
@@ -4882,7 +4868,7 @@
           <p:cNvPr id="69" name="Straight Arrow Connector 68">
             <a:extLst>
               <a:ext uri="{FF2B5EF4-FFF2-40B4-BE49-F238E27FC236}">
-                <a16:creationId xmlns:a16="http://schemas.microsoft.com/office/drawing/2014/main" xmlns="" id="{7C9F21BC-13A9-471F-825A-2621FD36355F}"/>
+                <a16:creationId xmlns="" xmlns:a16="http://schemas.microsoft.com/office/drawing/2014/main" id="{7C9F21BC-13A9-471F-825A-2621FD36355F}"/>
               </a:ext>
             </a:extLst>
           </p:cNvPr>
@@ -4928,7 +4914,7 @@
           <p:cNvPr id="63" name="Straight Arrow Connector 62">
             <a:extLst>
               <a:ext uri="{FF2B5EF4-FFF2-40B4-BE49-F238E27FC236}">
-                <a16:creationId xmlns:a16="http://schemas.microsoft.com/office/drawing/2014/main" xmlns="" id="{7C9F21BC-13A9-471F-825A-2621FD36355F}"/>
+                <a16:creationId xmlns="" xmlns:a16="http://schemas.microsoft.com/office/drawing/2014/main" id="{7C9F21BC-13A9-471F-825A-2621FD36355F}"/>
               </a:ext>
             </a:extLst>
           </p:cNvPr>
@@ -4947,7 +4933,7 @@
           </a:prstGeom>
           <a:ln w="19050">
             <a:solidFill>
-              <a:srgbClr val="597B78"/>
+              <a:srgbClr val="7030A0"/>
             </a:solidFill>
             <a:prstDash val="sysDash"/>
             <a:headEnd type="arrow" w="med" len="med"/>
@@ -4974,7 +4960,7 @@
           <p:cNvPr id="111" name="TextBox 110">
             <a:extLst>
               <a:ext uri="{FF2B5EF4-FFF2-40B4-BE49-F238E27FC236}">
-                <a16:creationId xmlns:a16="http://schemas.microsoft.com/office/drawing/2014/main" xmlns="" id="{90566D83-24E6-4831-963E-F4AA4F929511}"/>
+                <a16:creationId xmlns="" xmlns:a16="http://schemas.microsoft.com/office/drawing/2014/main" id="{90566D83-24E6-4831-963E-F4AA4F929511}"/>
               </a:ext>
             </a:extLst>
           </p:cNvPr>
@@ -5015,15 +5001,7 @@
             </a:r>
             <a:r>
               <a:rPr lang="en-US" dirty="0" smtClean="0"/>
-              <a:t>(“start 1 c/2 m/</a:t>
-            </a:r>
-            <a:r>
-              <a:rPr lang="en-US" dirty="0" smtClean="0"/>
-              <a:t>p</a:t>
-            </a:r>
-            <a:r>
-              <a:rPr lang="en-US" dirty="0" smtClean="0"/>
-              <a:t>review”)</a:t>
+              <a:t>(“start 1 c/2 m/preview”)</a:t>
             </a:r>
             <a:endParaRPr lang="en-US" dirty="0"/>
           </a:p>
@@ -5034,7 +5012,7 @@
           <p:cNvPr id="145" name="TextBox 144">
             <a:extLst>
               <a:ext uri="{FF2B5EF4-FFF2-40B4-BE49-F238E27FC236}">
-                <a16:creationId xmlns:a16="http://schemas.microsoft.com/office/drawing/2014/main" xmlns="" id="{F824156E-D617-4B15-929A-DE7B470C7A10}"/>
+                <a16:creationId xmlns="" xmlns:a16="http://schemas.microsoft.com/office/drawing/2014/main" id="{F824156E-D617-4B15-929A-DE7B470C7A10}"/>
               </a:ext>
             </a:extLst>
           </p:cNvPr>
@@ -5081,7 +5059,7 @@
           <p:cNvPr id="175" name="TextBox 174">
             <a:extLst>
               <a:ext uri="{FF2B5EF4-FFF2-40B4-BE49-F238E27FC236}">
-                <a16:creationId xmlns:a16="http://schemas.microsoft.com/office/drawing/2014/main" xmlns="" id="{1439537E-20D4-46D2-B832-FA8AFD388F37}"/>
+                <a16:creationId xmlns="" xmlns:a16="http://schemas.microsoft.com/office/drawing/2014/main" id="{1439537E-20D4-46D2-B832-FA8AFD388F37}"/>
               </a:ext>
             </a:extLst>
           </p:cNvPr>
@@ -5119,7 +5097,7 @@
             <a:r>
               <a:rPr lang="en-US" sz="1200" dirty="0" err="1" smtClean="0">
                 <a:solidFill>
-                  <a:srgbClr val="597B78"/>
+                  <a:srgbClr val="7030A0"/>
                 </a:solidFill>
               </a:rPr>
               <a:t>getCardSrsData</a:t>
@@ -5127,7 +5105,7 @@
             <a:r>
               <a:rPr lang="en-US" sz="1200" dirty="0" smtClean="0">
                 <a:solidFill>
-                  <a:srgbClr val="597B78"/>
+                  <a:srgbClr val="7030A0"/>
                 </a:solidFill>
               </a:rPr>
               <a:t>(</a:t>
@@ -5135,7 +5113,7 @@
             <a:r>
               <a:rPr lang="en-US" sz="1200" dirty="0" err="1" smtClean="0">
                 <a:solidFill>
-                  <a:srgbClr val="597B78"/>
+                  <a:srgbClr val="7030A0"/>
                 </a:solidFill>
               </a:rPr>
               <a:t>hashcode</a:t>
@@ -5143,14 +5121,14 @@
             <a:r>
               <a:rPr lang="en-US" sz="1200" dirty="0" smtClean="0">
                 <a:solidFill>
-                  <a:srgbClr val="597B78"/>
+                  <a:srgbClr val="7030A0"/>
                 </a:solidFill>
               </a:rPr>
               <a:t>)</a:t>
             </a:r>
             <a:endParaRPr lang="en-US" sz="1200" dirty="0">
               <a:solidFill>
-                <a:srgbClr val="597B78"/>
+                <a:srgbClr val="7030A0"/>
               </a:solidFill>
             </a:endParaRPr>
           </a:p>
@@ -5161,7 +5139,7 @@
           <p:cNvPr id="176" name="Rectangle 175">
             <a:extLst>
               <a:ext uri="{FF2B5EF4-FFF2-40B4-BE49-F238E27FC236}">
-                <a16:creationId xmlns:a16="http://schemas.microsoft.com/office/drawing/2014/main" xmlns="" id="{0589751E-4A8D-442E-8D52-8CD71A55A9FF}"/>
+                <a16:creationId xmlns="" xmlns:a16="http://schemas.microsoft.com/office/drawing/2014/main" id="{0589751E-4A8D-442E-8D52-8CD71A55A9FF}"/>
               </a:ext>
             </a:extLst>
           </p:cNvPr>
@@ -5177,7 +5155,7 @@
             <a:avLst/>
           </a:prstGeom>
           <a:solidFill>
-            <a:srgbClr val="597B78"/>
+            <a:srgbClr val="7030A0"/>
           </a:solidFill>
           <a:ln>
             <a:solidFill>
@@ -5214,7 +5192,7 @@
           <p:cNvPr id="177" name="Straight Arrow Connector 176">
             <a:extLst>
               <a:ext uri="{FF2B5EF4-FFF2-40B4-BE49-F238E27FC236}">
-                <a16:creationId xmlns:a16="http://schemas.microsoft.com/office/drawing/2014/main" xmlns="" id="{6645C832-794C-4014-9F19-B9C37FF03D4B}"/>
+                <a16:creationId xmlns="" xmlns:a16="http://schemas.microsoft.com/office/drawing/2014/main" id="{6645C832-794C-4014-9F19-B9C37FF03D4B}"/>
               </a:ext>
             </a:extLst>
           </p:cNvPr>
@@ -5233,7 +5211,7 @@
           </a:prstGeom>
           <a:ln w="19050">
             <a:solidFill>
-              <a:srgbClr val="597B78"/>
+              <a:srgbClr val="7030A0"/>
             </a:solidFill>
             <a:tailEnd type="arrow"/>
           </a:ln>
@@ -5258,7 +5236,7 @@
           <p:cNvPr id="70" name="Straight Arrow Connector 69">
             <a:extLst>
               <a:ext uri="{FF2B5EF4-FFF2-40B4-BE49-F238E27FC236}">
-                <a16:creationId xmlns:a16="http://schemas.microsoft.com/office/drawing/2014/main" xmlns="" id="{552A9280-A101-4A71-943B-699B1154A220}"/>
+                <a16:creationId xmlns="" xmlns:a16="http://schemas.microsoft.com/office/drawing/2014/main" id="{552A9280-A101-4A71-943B-699B1154A220}"/>
               </a:ext>
             </a:extLst>
           </p:cNvPr>
@@ -5277,7 +5255,7 @@
           </a:prstGeom>
           <a:ln w="19050">
             <a:solidFill>
-              <a:srgbClr val="597B78"/>
+              <a:srgbClr val="7030A0"/>
             </a:solidFill>
             <a:prstDash val="sysDash"/>
             <a:headEnd type="arrow" w="med" len="med"/>
@@ -5304,7 +5282,7 @@
           <p:cNvPr id="58" name="Straight Arrow Connector 65">
             <a:extLst>
               <a:ext uri="{FF2B5EF4-FFF2-40B4-BE49-F238E27FC236}">
-                <a16:creationId xmlns:a16="http://schemas.microsoft.com/office/drawing/2014/main" xmlns="" id="{39916E2E-195A-4DC8-B025-B05FA87E6796}"/>
+                <a16:creationId xmlns="" xmlns:a16="http://schemas.microsoft.com/office/drawing/2014/main" id="{39916E2E-195A-4DC8-B025-B05FA87E6796}"/>
               </a:ext>
             </a:extLst>
           </p:cNvPr>
@@ -5378,81 +5356,10 @@
           <a:p>
             <a:pPr algn="ctr"/>
             <a:r>
-              <a:rPr lang="en-US" dirty="0" err="1" smtClean="0"/>
-              <a:t>executeActual</a:t>
-            </a:r>
-            <a:r>
-              <a:rPr lang="en-US" dirty="0" smtClean="0"/>
-              <a:t>()</a:t>
+              <a:rPr lang="en-US" smtClean="0"/>
+              <a:t>executeQuiz()</a:t>
             </a:r>
             <a:endParaRPr lang="en-US" dirty="0"/>
-          </a:p>
-        </p:txBody>
-      </p:sp>
-      <p:sp>
-        <p:nvSpPr>
-          <p:cNvPr id="60" name="quizmodel big box">
-            <a:extLst>
-              <a:ext uri="{FF2B5EF4-FFF2-40B4-BE49-F238E27FC236}">
-                <a16:creationId xmlns:a16="http://schemas.microsoft.com/office/drawing/2014/main" xmlns="" id="{EC3FBA36-5E84-4C8D-8167-132F8367F116}"/>
-              </a:ext>
-            </a:extLst>
-          </p:cNvPr>
-          <p:cNvSpPr/>
-          <p:nvPr/>
-        </p:nvSpPr>
-        <p:spPr>
-          <a:xfrm>
-            <a:off x="7358082" y="4214818"/>
-            <a:ext cx="1643074" cy="2643182"/>
-          </a:xfrm>
-          <a:prstGeom prst="roundRect">
-            <a:avLst>
-              <a:gd name="adj" fmla="val 3484"/>
-            </a:avLst>
-          </a:prstGeom>
-          <a:solidFill>
-            <a:schemeClr val="accent3">
-              <a:lumMod val="40000"/>
-              <a:lumOff val="60000"/>
-            </a:schemeClr>
-          </a:solidFill>
-          <a:ln w="19050">
-            <a:noFill/>
-          </a:ln>
-          <a:effectLst/>
-        </p:spPr>
-        <p:style>
-          <a:lnRef idx="1">
-            <a:schemeClr val="accent2"/>
-          </a:lnRef>
-          <a:fillRef idx="2">
-            <a:schemeClr val="accent2"/>
-          </a:fillRef>
-          <a:effectRef idx="1">
-            <a:schemeClr val="accent2"/>
-          </a:effectRef>
-          <a:fontRef idx="minor">
-            <a:schemeClr val="dk1"/>
-          </a:fontRef>
-        </p:style>
-        <p:txBody>
-          <a:bodyPr rtlCol="0" anchor="t"/>
-          <a:lstStyle/>
-          <a:p>
-            <a:r>
-              <a:rPr lang="en-US" sz="1200" b="1" dirty="0" err="1" smtClean="0">
-                <a:solidFill>
-                  <a:srgbClr val="597B78"/>
-                </a:solidFill>
-              </a:rPr>
-              <a:t>QuizModel</a:t>
-            </a:r>
-            <a:endParaRPr lang="en-SG" sz="1200" b="1" dirty="0">
-              <a:solidFill>
-                <a:srgbClr val="597B78"/>
-              </a:solidFill>
-            </a:endParaRPr>
           </a:p>
         </p:txBody>
       </p:sp>
@@ -5461,7 +5368,7 @@
           <p:cNvPr id="61" name="TextBox 60">
             <a:extLst>
               <a:ext uri="{FF2B5EF4-FFF2-40B4-BE49-F238E27FC236}">
-                <a16:creationId xmlns:a16="http://schemas.microsoft.com/office/drawing/2014/main" xmlns="" id="{5174E5D2-33B1-43BD-9321-F97EE4E61670}"/>
+                <a16:creationId xmlns="" xmlns:a16="http://schemas.microsoft.com/office/drawing/2014/main" id="{5174E5D2-33B1-43BD-9321-F97EE4E61670}"/>
               </a:ext>
             </a:extLst>
           </p:cNvPr>
@@ -5582,7 +5489,7 @@
           <p:cNvPr id="73" name="TextBox 72">
             <a:extLst>
               <a:ext uri="{FF2B5EF4-FFF2-40B4-BE49-F238E27FC236}">
-                <a16:creationId xmlns:a16="http://schemas.microsoft.com/office/drawing/2014/main" xmlns="" id="{5174E5D2-33B1-43BD-9321-F97EE4E61670}"/>
+                <a16:creationId xmlns="" xmlns:a16="http://schemas.microsoft.com/office/drawing/2014/main" id="{5174E5D2-33B1-43BD-9321-F97EE4E61670}"/>
               </a:ext>
             </a:extLst>
           </p:cNvPr>
@@ -5617,7 +5524,7 @@
           <p:cNvPr id="74" name="Straight Arrow Connector 68">
             <a:extLst>
               <a:ext uri="{FF2B5EF4-FFF2-40B4-BE49-F238E27FC236}">
-                <a16:creationId xmlns:a16="http://schemas.microsoft.com/office/drawing/2014/main" xmlns="" id="{7C9F21BC-13A9-471F-825A-2621FD36355F}"/>
+                <a16:creationId xmlns="" xmlns:a16="http://schemas.microsoft.com/office/drawing/2014/main" id="{7C9F21BC-13A9-471F-825A-2621FD36355F}"/>
               </a:ext>
             </a:extLst>
           </p:cNvPr>
@@ -5699,87 +5606,19 @@
           </a:p>
         </p:txBody>
       </p:sp>
-      <p:sp>
-        <p:nvSpPr>
-          <p:cNvPr id="76" name="Rectangle 62"/>
-          <p:cNvSpPr/>
-          <p:nvPr/>
-        </p:nvSpPr>
-        <p:spPr>
-          <a:xfrm>
-            <a:off x="7500958" y="4643446"/>
-            <a:ext cx="1357322" cy="357190"/>
-          </a:xfrm>
-          <a:prstGeom prst="rect">
-            <a:avLst/>
-          </a:prstGeom>
-          <a:solidFill>
-            <a:schemeClr val="accent3">
-              <a:lumMod val="75000"/>
-            </a:schemeClr>
-          </a:solidFill>
-          <a:ln w="19050">
-            <a:solidFill>
-              <a:srgbClr val="0070C0"/>
-            </a:solidFill>
-          </a:ln>
-          <a:effectLst/>
-        </p:spPr>
-        <p:style>
-          <a:lnRef idx="1">
-            <a:schemeClr val="accent2"/>
-          </a:lnRef>
-          <a:fillRef idx="2">
-            <a:schemeClr val="accent2"/>
-          </a:fillRef>
-          <a:effectRef idx="1">
-            <a:schemeClr val="accent2"/>
-          </a:effectRef>
-          <a:fontRef idx="minor">
-            <a:schemeClr val="dk1"/>
-          </a:fontRef>
-        </p:style>
-        <p:txBody>
-          <a:bodyPr rtlCol="0" anchor="ctr"/>
-          <a:lstStyle/>
-          <a:p>
-            <a:pPr algn="ctr"/>
-            <a:r>
-              <a:rPr lang="en-US" sz="1600" dirty="0" smtClean="0">
-                <a:solidFill>
-                  <a:schemeClr val="bg1"/>
-                </a:solidFill>
-              </a:rPr>
-              <a:t>:</a:t>
-            </a:r>
-            <a:r>
-              <a:rPr lang="en-US" sz="1600" dirty="0" err="1" smtClean="0">
-                <a:solidFill>
-                  <a:schemeClr val="bg1"/>
-                </a:solidFill>
-              </a:rPr>
-              <a:t>QuizModel</a:t>
-            </a:r>
-            <a:endParaRPr lang="en-SG" sz="1600" dirty="0">
-              <a:solidFill>
-                <a:schemeClr val="bg1"/>
-              </a:solidFill>
-            </a:endParaRPr>
-          </a:p>
-        </p:txBody>
-      </p:sp>
       <p:cxnSp>
         <p:nvCxnSpPr>
           <p:cNvPr id="77" name="Straight Connector 45"/>
           <p:cNvCxnSpPr>
             <a:cxnSpLocks/>
+            <a:stCxn id="71" idx="2"/>
           </p:cNvCxnSpPr>
           <p:nvPr/>
         </p:nvCxnSpPr>
         <p:spPr>
           <a:xfrm rot="5400000">
-            <a:off x="7529641" y="5672259"/>
-            <a:ext cx="1228520" cy="2"/>
+            <a:off x="7464445" y="5607859"/>
+            <a:ext cx="1358116" cy="794"/>
           </a:xfrm>
           <a:prstGeom prst="line">
             <a:avLst/>
@@ -5812,7 +5651,7 @@
           <p:cNvPr id="86" name="TextBox 85">
             <a:extLst>
               <a:ext uri="{FF2B5EF4-FFF2-40B4-BE49-F238E27FC236}">
-                <a16:creationId xmlns:a16="http://schemas.microsoft.com/office/drawing/2014/main" xmlns="" id="{5174E5D2-33B1-43BD-9321-F97EE4E61670}"/>
+                <a16:creationId xmlns="" xmlns:a16="http://schemas.microsoft.com/office/drawing/2014/main" id="{5174E5D2-33B1-43BD-9321-F97EE4E61670}"/>
               </a:ext>
             </a:extLst>
           </p:cNvPr>
@@ -5847,7 +5686,7 @@
           <p:cNvPr id="87" name="self invoc">
             <a:extLst>
               <a:ext uri="{FF2B5EF4-FFF2-40B4-BE49-F238E27FC236}">
-                <a16:creationId xmlns:a16="http://schemas.microsoft.com/office/drawing/2014/main" xmlns="" id="{358F2164-5604-4583-9C19-4ABB6E253FB9}"/>
+                <a16:creationId xmlns="" xmlns:a16="http://schemas.microsoft.com/office/drawing/2014/main" id="{358F2164-5604-4583-9C19-4ABB6E253FB9}"/>
               </a:ext>
             </a:extLst>
           </p:cNvPr>
@@ -5867,7 +5706,7 @@
             <p:cNvPr id="88" name="Straight Connector 96">
               <a:extLst>
                 <a:ext uri="{FF2B5EF4-FFF2-40B4-BE49-F238E27FC236}">
-                  <a16:creationId xmlns:a16="http://schemas.microsoft.com/office/drawing/2014/main" xmlns="" id="{110BB256-138F-463E-9831-545D25B7DFE0}"/>
+                  <a16:creationId xmlns="" xmlns:a16="http://schemas.microsoft.com/office/drawing/2014/main" id="{110BB256-138F-463E-9831-545D25B7DFE0}"/>
                 </a:ext>
               </a:extLst>
             </p:cNvPr>
@@ -5910,7 +5749,7 @@
             <p:cNvPr id="89" name="Straight Connector 98">
               <a:extLst>
                 <a:ext uri="{FF2B5EF4-FFF2-40B4-BE49-F238E27FC236}">
-                  <a16:creationId xmlns:a16="http://schemas.microsoft.com/office/drawing/2014/main" xmlns="" id="{84AC3DCD-4889-4E5A-B33F-32F1FE0444FB}"/>
+                  <a16:creationId xmlns="" xmlns:a16="http://schemas.microsoft.com/office/drawing/2014/main" id="{84AC3DCD-4889-4E5A-B33F-32F1FE0444FB}"/>
                 </a:ext>
               </a:extLst>
             </p:cNvPr>
@@ -5953,7 +5792,7 @@
             <p:cNvPr id="90" name="Straight Arrow Connector 101">
               <a:extLst>
                 <a:ext uri="{FF2B5EF4-FFF2-40B4-BE49-F238E27FC236}">
-                  <a16:creationId xmlns:a16="http://schemas.microsoft.com/office/drawing/2014/main" xmlns="" id="{8CBDC46C-292F-44A2-8F15-4E610BC73E37}"/>
+                  <a16:creationId xmlns="" xmlns:a16="http://schemas.microsoft.com/office/drawing/2014/main" id="{8CBDC46C-292F-44A2-8F15-4E610BC73E37}"/>
                 </a:ext>
               </a:extLst>
             </p:cNvPr>
@@ -6045,7 +5884,7 @@
           <p:cNvPr id="92" name="Rectangle 84">
             <a:extLst>
               <a:ext uri="{FF2B5EF4-FFF2-40B4-BE49-F238E27FC236}">
-                <a16:creationId xmlns:a16="http://schemas.microsoft.com/office/drawing/2014/main" xmlns="" id="{B50AA983-94C5-460B-B0D5-610170B45C00}"/>
+                <a16:creationId xmlns="" xmlns:a16="http://schemas.microsoft.com/office/drawing/2014/main" id="{B50AA983-94C5-460B-B0D5-610170B45C00}"/>
               </a:ext>
             </a:extLst>
           </p:cNvPr>
@@ -6098,7 +5937,7 @@
           <p:cNvPr id="94" name="Group 132">
             <a:extLst>
               <a:ext uri="{FF2B5EF4-FFF2-40B4-BE49-F238E27FC236}">
-                <a16:creationId xmlns:a16="http://schemas.microsoft.com/office/drawing/2014/main" xmlns="" id="{70A6F402-22BA-4FC9-8CC8-DF7694379D6D}"/>
+                <a16:creationId xmlns="" xmlns:a16="http://schemas.microsoft.com/office/drawing/2014/main" id="{70A6F402-22BA-4FC9-8CC8-DF7694379D6D}"/>
               </a:ext>
             </a:extLst>
           </p:cNvPr>
@@ -6118,7 +5957,7 @@
             <p:cNvPr id="95" name="Straight Connector 119">
               <a:extLst>
                 <a:ext uri="{FF2B5EF4-FFF2-40B4-BE49-F238E27FC236}">
-                  <a16:creationId xmlns:a16="http://schemas.microsoft.com/office/drawing/2014/main" xmlns="" id="{3129C7C0-1D8A-4FCD-AAF1-1969BF92FB20}"/>
+                  <a16:creationId xmlns="" xmlns:a16="http://schemas.microsoft.com/office/drawing/2014/main" id="{3129C7C0-1D8A-4FCD-AAF1-1969BF92FB20}"/>
                 </a:ext>
               </a:extLst>
             </p:cNvPr>
@@ -6162,7 +6001,7 @@
             <p:cNvPr id="96" name="Straight Connector 120">
               <a:extLst>
                 <a:ext uri="{FF2B5EF4-FFF2-40B4-BE49-F238E27FC236}">
-                  <a16:creationId xmlns:a16="http://schemas.microsoft.com/office/drawing/2014/main" xmlns="" id="{57A421B3-AD4C-4816-A1C9-3943AB3D6771}"/>
+                  <a16:creationId xmlns="" xmlns:a16="http://schemas.microsoft.com/office/drawing/2014/main" id="{57A421B3-AD4C-4816-A1C9-3943AB3D6771}"/>
                 </a:ext>
               </a:extLst>
             </p:cNvPr>
@@ -6206,7 +6045,7 @@
             <p:cNvPr id="98" name="Straight Arrow Connector 121">
               <a:extLst>
                 <a:ext uri="{FF2B5EF4-FFF2-40B4-BE49-F238E27FC236}">
-                  <a16:creationId xmlns:a16="http://schemas.microsoft.com/office/drawing/2014/main" xmlns="" id="{1F9FD2A1-767B-4A9D-BCD0-7E6BEDD7EDD7}"/>
+                  <a16:creationId xmlns="" xmlns:a16="http://schemas.microsoft.com/office/drawing/2014/main" id="{1F9FD2A1-767B-4A9D-BCD0-7E6BEDD7EDD7}"/>
                 </a:ext>
               </a:extLst>
             </p:cNvPr>
@@ -6286,61 +6125,12 @@
           </a:fontRef>
         </p:style>
       </p:cxnSp>
-      <p:sp>
-        <p:nvSpPr>
-          <p:cNvPr id="103" name="Rectangle 48"/>
-          <p:cNvSpPr/>
-          <p:nvPr/>
-        </p:nvSpPr>
-        <p:spPr>
-          <a:xfrm>
-            <a:off x="8072462" y="5429264"/>
-            <a:ext cx="168896" cy="324000"/>
-          </a:xfrm>
-          <a:prstGeom prst="rect">
-            <a:avLst/>
-          </a:prstGeom>
-          <a:solidFill>
-            <a:schemeClr val="accent3">
-              <a:lumMod val="75000"/>
-            </a:schemeClr>
-          </a:solidFill>
-          <a:ln>
-            <a:solidFill>
-              <a:srgbClr val="597B78"/>
-            </a:solidFill>
-          </a:ln>
-          <a:effectLst/>
-        </p:spPr>
-        <p:style>
-          <a:lnRef idx="1">
-            <a:schemeClr val="accent3"/>
-          </a:lnRef>
-          <a:fillRef idx="2">
-            <a:schemeClr val="accent3"/>
-          </a:fillRef>
-          <a:effectRef idx="1">
-            <a:schemeClr val="accent3"/>
-          </a:effectRef>
-          <a:fontRef idx="minor">
-            <a:schemeClr val="dk1"/>
-          </a:fontRef>
-        </p:style>
-        <p:txBody>
-          <a:bodyPr rtlCol="0" anchor="ctr"/>
-          <a:lstStyle/>
-          <a:p>
-            <a:pPr algn="ctr"/>
-            <a:endParaRPr lang="en-SG" sz="1400"/>
-          </a:p>
-        </p:txBody>
-      </p:sp>
       <p:cxnSp>
         <p:nvCxnSpPr>
           <p:cNvPr id="104" name="Straight Arrow Connector 62">
             <a:extLst>
               <a:ext uri="{FF2B5EF4-FFF2-40B4-BE49-F238E27FC236}">
-                <a16:creationId xmlns:a16="http://schemas.microsoft.com/office/drawing/2014/main" xmlns="" id="{7C9F21BC-13A9-471F-825A-2621FD36355F}"/>
+                <a16:creationId xmlns="" xmlns:a16="http://schemas.microsoft.com/office/drawing/2014/main" id="{7C9F21BC-13A9-471F-825A-2621FD36355F}"/>
               </a:ext>
             </a:extLst>
           </p:cNvPr>
@@ -6421,15 +6211,7 @@
                   <a:srgbClr val="597B78"/>
                 </a:solidFill>
               </a:rPr>
-              <a:t>i</a:t>
-            </a:r>
-            <a:r>
-              <a:rPr lang="en-US" sz="1200" dirty="0" smtClean="0">
-                <a:solidFill>
-                  <a:srgbClr val="597B78"/>
-                </a:solidFill>
-              </a:rPr>
-              <a:t>nit(session, quiz)</a:t>
+              <a:t>init(session, quiz)</a:t>
             </a:r>
             <a:endParaRPr lang="en-US" sz="1200" dirty="0">
               <a:solidFill>
@@ -6477,61 +6259,12 @@
           </a:fontRef>
         </p:style>
       </p:cxnSp>
-      <p:sp>
-        <p:nvSpPr>
-          <p:cNvPr id="107" name="Rectangle 48"/>
-          <p:cNvSpPr/>
-          <p:nvPr/>
-        </p:nvSpPr>
-        <p:spPr>
-          <a:xfrm>
-            <a:off x="8072462" y="5857892"/>
-            <a:ext cx="142876" cy="142876"/>
-          </a:xfrm>
-          <a:prstGeom prst="rect">
-            <a:avLst/>
-          </a:prstGeom>
-          <a:solidFill>
-            <a:schemeClr val="accent3">
-              <a:lumMod val="75000"/>
-            </a:schemeClr>
-          </a:solidFill>
-          <a:ln>
-            <a:solidFill>
-              <a:srgbClr val="597B78"/>
-            </a:solidFill>
-          </a:ln>
-          <a:effectLst/>
-        </p:spPr>
-        <p:style>
-          <a:lnRef idx="1">
-            <a:schemeClr val="accent3"/>
-          </a:lnRef>
-          <a:fillRef idx="2">
-            <a:schemeClr val="accent3"/>
-          </a:fillRef>
-          <a:effectRef idx="1">
-            <a:schemeClr val="accent3"/>
-          </a:effectRef>
-          <a:fontRef idx="minor">
-            <a:schemeClr val="dk1"/>
-          </a:fontRef>
-        </p:style>
-        <p:txBody>
-          <a:bodyPr rtlCol="0" anchor="ctr"/>
-          <a:lstStyle/>
-          <a:p>
-            <a:pPr algn="ctr"/>
-            <a:endParaRPr lang="en-SG" sz="1400"/>
-          </a:p>
-        </p:txBody>
-      </p:sp>
       <p:cxnSp>
         <p:nvCxnSpPr>
           <p:cNvPr id="108" name="Straight Arrow Connector 62">
             <a:extLst>
               <a:ext uri="{FF2B5EF4-FFF2-40B4-BE49-F238E27FC236}">
-                <a16:creationId xmlns:a16="http://schemas.microsoft.com/office/drawing/2014/main" xmlns="" id="{7C9F21BC-13A9-471F-825A-2621FD36355F}"/>
+                <a16:creationId xmlns="" xmlns:a16="http://schemas.microsoft.com/office/drawing/2014/main" id="{7C9F21BC-13A9-471F-825A-2621FD36355F}"/>
               </a:ext>
             </a:extLst>
           </p:cNvPr>
@@ -6630,10 +6363,244 @@
           </a:p>
         </p:txBody>
       </p:sp>
+      <p:sp>
+        <p:nvSpPr>
+          <p:cNvPr id="71" name="Rectangle 62"/>
+          <p:cNvSpPr/>
+          <p:nvPr/>
+        </p:nvSpPr>
+        <p:spPr>
+          <a:xfrm>
+            <a:off x="7500958" y="4643446"/>
+            <a:ext cx="1285884" cy="285752"/>
+          </a:xfrm>
+          <a:prstGeom prst="rect">
+            <a:avLst/>
+          </a:prstGeom>
+          <a:solidFill>
+            <a:srgbClr val="597B78"/>
+          </a:solidFill>
+          <a:ln w="19050">
+            <a:solidFill>
+              <a:srgbClr val="597B78"/>
+            </a:solidFill>
+          </a:ln>
+          <a:effectLst/>
+        </p:spPr>
+        <p:style>
+          <a:lnRef idx="1">
+            <a:schemeClr val="accent2"/>
+          </a:lnRef>
+          <a:fillRef idx="2">
+            <a:schemeClr val="accent2"/>
+          </a:fillRef>
+          <a:effectRef idx="1">
+            <a:schemeClr val="accent2"/>
+          </a:effectRef>
+          <a:fontRef idx="minor">
+            <a:schemeClr val="dk1"/>
+          </a:fontRef>
+        </p:style>
+        <p:txBody>
+          <a:bodyPr rtlCol="0" anchor="ctr"/>
+          <a:lstStyle/>
+          <a:p>
+            <a:pPr algn="ctr"/>
+            <a:r>
+              <a:rPr lang="en-US" sz="1600" dirty="0">
+                <a:solidFill>
+                  <a:schemeClr val="bg1"/>
+                </a:solidFill>
+              </a:rPr>
+              <a:t>:</a:t>
+            </a:r>
+            <a:r>
+              <a:rPr lang="en-US" sz="1600" dirty="0" err="1">
+                <a:solidFill>
+                  <a:schemeClr val="bg1"/>
+                </a:solidFill>
+              </a:rPr>
+              <a:t>QuizModel</a:t>
+            </a:r>
+            <a:endParaRPr lang="en-SG" sz="1600" dirty="0">
+              <a:solidFill>
+                <a:schemeClr val="bg1"/>
+              </a:solidFill>
+            </a:endParaRPr>
+          </a:p>
+        </p:txBody>
+      </p:sp>
+      <p:sp>
+        <p:nvSpPr>
+          <p:cNvPr id="80" name="Rectangle 48"/>
+          <p:cNvSpPr/>
+          <p:nvPr/>
+        </p:nvSpPr>
+        <p:spPr>
+          <a:xfrm>
+            <a:off x="8072462" y="5429264"/>
+            <a:ext cx="168896" cy="324000"/>
+          </a:xfrm>
+          <a:prstGeom prst="rect">
+            <a:avLst/>
+          </a:prstGeom>
+          <a:solidFill>
+            <a:srgbClr val="597B78"/>
+          </a:solidFill>
+          <a:ln>
+            <a:solidFill>
+              <a:srgbClr val="597B78"/>
+            </a:solidFill>
+          </a:ln>
+          <a:effectLst/>
+        </p:spPr>
+        <p:style>
+          <a:lnRef idx="1">
+            <a:schemeClr val="accent3"/>
+          </a:lnRef>
+          <a:fillRef idx="2">
+            <a:schemeClr val="accent3"/>
+          </a:fillRef>
+          <a:effectRef idx="1">
+            <a:schemeClr val="accent3"/>
+          </a:effectRef>
+          <a:fontRef idx="minor">
+            <a:schemeClr val="dk1"/>
+          </a:fontRef>
+        </p:style>
+        <p:txBody>
+          <a:bodyPr rtlCol="0" anchor="ctr"/>
+          <a:lstStyle/>
+          <a:p>
+            <a:pPr algn="ctr"/>
+            <a:endParaRPr lang="en-SG" sz="1400"/>
+          </a:p>
+        </p:txBody>
+      </p:sp>
+      <p:sp>
+        <p:nvSpPr>
+          <p:cNvPr id="84" name="Rectangle 175">
+            <a:extLst>
+              <a:ext uri="{FF2B5EF4-FFF2-40B4-BE49-F238E27FC236}">
+                <a16:creationId xmlns="" xmlns:a16="http://schemas.microsoft.com/office/drawing/2014/main" id="{0589751E-4A8D-442E-8D52-8CD71A55A9FF}"/>
+              </a:ext>
+            </a:extLst>
+          </p:cNvPr>
+          <p:cNvSpPr/>
+          <p:nvPr/>
+        </p:nvSpPr>
+        <p:spPr>
+          <a:xfrm>
+            <a:off x="8072462" y="5857892"/>
+            <a:ext cx="142876" cy="142877"/>
+          </a:xfrm>
+          <a:prstGeom prst="rect">
+            <a:avLst/>
+          </a:prstGeom>
+          <a:solidFill>
+            <a:srgbClr val="597B78"/>
+          </a:solidFill>
+          <a:ln>
+            <a:solidFill>
+              <a:srgbClr val="597B78"/>
+            </a:solidFill>
+          </a:ln>
+          <a:effectLst/>
+        </p:spPr>
+        <p:style>
+          <a:lnRef idx="1">
+            <a:schemeClr val="accent3"/>
+          </a:lnRef>
+          <a:fillRef idx="2">
+            <a:schemeClr val="accent3"/>
+          </a:fillRef>
+          <a:effectRef idx="1">
+            <a:schemeClr val="accent3"/>
+          </a:effectRef>
+          <a:fontRef idx="minor">
+            <a:schemeClr val="dk1"/>
+          </a:fontRef>
+        </p:style>
+        <p:txBody>
+          <a:bodyPr rtlCol="0" anchor="ctr"/>
+          <a:lstStyle/>
+          <a:p>
+            <a:pPr algn="ctr"/>
+            <a:endParaRPr lang="en-SG" sz="1400"/>
+          </a:p>
+        </p:txBody>
+      </p:sp>
+      <p:sp>
+        <p:nvSpPr>
+          <p:cNvPr id="101" name="Rectangle 62"/>
+          <p:cNvSpPr/>
+          <p:nvPr/>
+        </p:nvSpPr>
+        <p:spPr>
+          <a:xfrm>
+            <a:off x="7429520" y="1714488"/>
+            <a:ext cx="1428760" cy="418198"/>
+          </a:xfrm>
+          <a:prstGeom prst="rect">
+            <a:avLst/>
+          </a:prstGeom>
+          <a:solidFill>
+            <a:srgbClr val="7030A0"/>
+          </a:solidFill>
+          <a:ln w="19050">
+            <a:solidFill>
+              <a:srgbClr val="7030A0"/>
+            </a:solidFill>
+          </a:ln>
+          <a:effectLst/>
+        </p:spPr>
+        <p:style>
+          <a:lnRef idx="1">
+            <a:schemeClr val="accent2"/>
+          </a:lnRef>
+          <a:fillRef idx="2">
+            <a:schemeClr val="accent2"/>
+          </a:fillRef>
+          <a:effectRef idx="1">
+            <a:schemeClr val="accent2"/>
+          </a:effectRef>
+          <a:fontRef idx="minor">
+            <a:schemeClr val="dk1"/>
+          </a:fontRef>
+        </p:style>
+        <p:txBody>
+          <a:bodyPr rtlCol="0" anchor="ctr"/>
+          <a:lstStyle/>
+          <a:p>
+            <a:pPr algn="ctr"/>
+            <a:r>
+              <a:rPr lang="en-US" sz="1600" dirty="0" smtClean="0">
+                <a:solidFill>
+                  <a:schemeClr val="bg1"/>
+                </a:solidFill>
+              </a:rPr>
+              <a:t>:</a:t>
+            </a:r>
+            <a:r>
+              <a:rPr lang="en-US" sz="1600" dirty="0" err="1" smtClean="0">
+                <a:solidFill>
+                  <a:schemeClr val="bg1"/>
+                </a:solidFill>
+              </a:rPr>
+              <a:t>ManagementModel</a:t>
+            </a:r>
+            <a:endParaRPr lang="en-SG" sz="1600" dirty="0">
+              <a:solidFill>
+                <a:schemeClr val="bg1"/>
+              </a:solidFill>
+            </a:endParaRPr>
+          </a:p>
+        </p:txBody>
+      </p:sp>
     </p:spTree>
     <p:extLst>
       <p:ext uri="{BB962C8B-B14F-4D97-AF65-F5344CB8AC3E}">
-        <p14:creationId xmlns:p14="http://schemas.microsoft.com/office/powerpoint/2010/main" xmlns="" val="3945898909"/>
+        <p14:creationId xmlns="" xmlns:p14="http://schemas.microsoft.com/office/powerpoint/2010/main" val="3945898909"/>
       </p:ext>
     </p:extLst>
   </p:cSld>
